--- a/Hackathon-1/thuctap.pptx
+++ b/Hackathon-1/thuctap.pptx
@@ -5,26 +5,26 @@
     <p:sldMasterId id="2147483648" r:id="rId1"/>
   </p:sldMasterIdLst>
   <p:notesMasterIdLst>
-    <p:notesMasterId r:id="rId6"/>
+    <p:notesMasterId r:id="rId16"/>
   </p:notesMasterIdLst>
   <p:handoutMasterIdLst>
-    <p:handoutMasterId r:id="rId18"/>
+    <p:handoutMasterId r:id="rId17"/>
   </p:handoutMasterIdLst>
   <p:sldIdLst>
-    <p:sldId id="257" r:id="rId3"/>
-    <p:sldId id="315" r:id="rId4"/>
-    <p:sldId id="282" r:id="rId5"/>
-    <p:sldId id="281" r:id="rId7"/>
-    <p:sldId id="258" r:id="rId8"/>
-    <p:sldId id="259" r:id="rId9"/>
-    <p:sldId id="309" r:id="rId10"/>
-    <p:sldId id="261" r:id="rId11"/>
-    <p:sldId id="314" r:id="rId12"/>
-    <p:sldId id="262" r:id="rId13"/>
-    <p:sldId id="310" r:id="rId14"/>
-    <p:sldId id="312" r:id="rId15"/>
-    <p:sldId id="313" r:id="rId16"/>
-    <p:sldId id="289" r:id="rId17"/>
+    <p:sldId id="257" r:id="rId2"/>
+    <p:sldId id="315" r:id="rId3"/>
+    <p:sldId id="282" r:id="rId4"/>
+    <p:sldId id="281" r:id="rId5"/>
+    <p:sldId id="258" r:id="rId6"/>
+    <p:sldId id="259" r:id="rId7"/>
+    <p:sldId id="309" r:id="rId8"/>
+    <p:sldId id="261" r:id="rId9"/>
+    <p:sldId id="314" r:id="rId10"/>
+    <p:sldId id="262" r:id="rId11"/>
+    <p:sldId id="310" r:id="rId12"/>
+    <p:sldId id="312" r:id="rId13"/>
+    <p:sldId id="313" r:id="rId14"/>
+    <p:sldId id="289" r:id="rId15"/>
   </p:sldIdLst>
   <p:sldSz cx="12192000" cy="6858000"/>
   <p:notesSz cx="6858000" cy="9144000"/>
@@ -222,6 +222,22 @@
       </a:defRPr>
     </a:lvl9pPr>
   </p:defaultTextStyle>
+  <p:extLst>
+    <p:ext uri="{EFAFB233-063F-42B5-8137-9DF3F51BA10A}">
+      <p15:sldGuideLst xmlns:p15="http://schemas.microsoft.com/office/powerpoint/2012/main">
+        <p15:guide id="1" orient="horz" pos="2230">
+          <p15:clr>
+            <a:srgbClr val="A4A3A4"/>
+          </p15:clr>
+        </p15:guide>
+        <p15:guide id="2" pos="2847">
+          <p15:clr>
+            <a:srgbClr val="A4A3A4"/>
+          </p15:clr>
+        </p15:guide>
+      </p15:sldGuideLst>
+    </p:ext>
+  </p:extLst>
 </p:presentation>
 </file>
 
@@ -239,7 +255,14 @@
         <p:cNvGrpSpPr/>
         <p:nvPr/>
       </p:nvGrpSpPr>
-      <p:grpSpPr/>
+      <p:grpSpPr>
+        <a:xfrm>
+          <a:off x="0" y="0"/>
+          <a:ext cx="0" cy="0"/>
+          <a:chOff x="0" y="0"/>
+          <a:chExt cx="0" cy="0"/>
+        </a:xfrm>
+      </p:grpSpPr>
       <p:sp>
         <p:nvSpPr>
           <p:cNvPr id="2" name="页眉占位符 1"/>
@@ -306,6 +329,7 @@
                 <a:ea typeface="SimSun" panose="02010600030101010101" pitchFamily="2" charset="-122"/>
                 <a:cs typeface="+mn-cs"/>
               </a:rPr>
+              <a:t>2021/1/16</a:t>
             </a:fld>
             <a:endParaRPr lang="zh-CN" altLang="en-US" strike="noStrike" noProof="1"/>
           </a:p>
@@ -377,12 +401,18 @@
                 <a:ea typeface="SimSun" panose="02010600030101010101" pitchFamily="2" charset="-122"/>
                 <a:cs typeface="+mn-cs"/>
               </a:rPr>
+              <a:t>‹#›</a:t>
             </a:fld>
             <a:endParaRPr lang="zh-CN" altLang="en-US" strike="noStrike" noProof="1"/>
           </a:p>
         </p:txBody>
       </p:sp>
     </p:spTree>
+    <p:extLst>
+      <p:ext uri="{BB962C8B-B14F-4D97-AF65-F5344CB8AC3E}">
+        <p14:creationId xmlns:p14="http://schemas.microsoft.com/office/powerpoint/2010/main" val="1"/>
+      </p:ext>
+    </p:extLst>
   </p:cSld>
   <p:clrMap bg1="lt1" tx1="dk1" bg2="lt2" tx2="dk2" accent1="accent1" accent2="accent2" accent3="accent3" accent4="accent4" accent5="accent5" accent6="accent6" hlink="hlink" folHlink="folHlink"/>
 </p:handoutMaster>
@@ -402,7 +432,14 @@
         <p:cNvGrpSpPr/>
         <p:nvPr/>
       </p:nvGrpSpPr>
-      <p:grpSpPr/>
+      <p:grpSpPr>
+        <a:xfrm>
+          <a:off x="0" y="0"/>
+          <a:ext cx="0" cy="0"/>
+          <a:chOff x="0" y="0"/>
+          <a:chExt cx="0" cy="0"/>
+        </a:xfrm>
+      </p:grpSpPr>
       <p:sp>
         <p:nvSpPr>
           <p:cNvPr id="2" name="页眉占位符 1"/>
@@ -625,7 +662,7 @@
               <a:defRPr/>
             </a:pPr>
             <a:r>
-              <a:rPr kumimoji="0" lang="zh-CN" altLang="en-US" sz="1200" b="0" i="0" u="none" strike="noStrike" kern="1200" cap="none" spc="0" normalizeH="0" baseline="0" noProof="0" smtClean="0">
+              <a:rPr kumimoji="0" lang="zh-CN" altLang="en-US" sz="1200" b="0" i="0" u="none" strike="noStrike" kern="1200" cap="none" spc="0" normalizeH="0" baseline="0" noProof="0">
                 <a:ln>
                   <a:noFill/>
                 </a:ln>
@@ -641,20 +678,6 @@
               </a:rPr>
               <a:t>Click to edit Master text style</a:t>
             </a:r>
-            <a:endParaRPr kumimoji="0" lang="zh-CN" altLang="en-US" sz="1200" b="0" i="0" u="none" strike="noStrike" kern="1200" cap="none" spc="0" normalizeH="0" baseline="0" noProof="0" smtClean="0">
-              <a:ln>
-                <a:noFill/>
-              </a:ln>
-              <a:solidFill>
-                <a:schemeClr val="tx1"/>
-              </a:solidFill>
-              <a:effectLst/>
-              <a:uLnTx/>
-              <a:uFillTx/>
-              <a:latin typeface="+mn-lt"/>
-              <a:ea typeface="+mn-ea"/>
-              <a:cs typeface="+mn-cs"/>
-            </a:endParaRPr>
           </a:p>
           <a:p>
             <a:pPr marL="457200" marR="0" lvl="1" indent="0" algn="l" defTabSz="914400" rtl="0" eaLnBrk="1" fontAlgn="auto" latinLnBrk="0" hangingPunct="1">
@@ -674,7 +697,7 @@
               <a:defRPr/>
             </a:pPr>
             <a:r>
-              <a:rPr kumimoji="0" lang="zh-CN" altLang="en-US" sz="1200" b="0" i="0" u="none" strike="noStrike" kern="1200" cap="none" spc="0" normalizeH="0" baseline="0" noProof="0" smtClean="0">
+              <a:rPr kumimoji="0" lang="zh-CN" altLang="en-US" sz="1200" b="0" i="0" u="none" strike="noStrike" kern="1200" cap="none" spc="0" normalizeH="0" baseline="0" noProof="0">
                 <a:ln>
                   <a:noFill/>
                 </a:ln>
@@ -690,20 +713,6 @@
               </a:rPr>
               <a:t>Second level</a:t>
             </a:r>
-            <a:endParaRPr kumimoji="0" lang="zh-CN" altLang="en-US" sz="1200" b="0" i="0" u="none" strike="noStrike" kern="1200" cap="none" spc="0" normalizeH="0" baseline="0" noProof="0" smtClean="0">
-              <a:ln>
-                <a:noFill/>
-              </a:ln>
-              <a:solidFill>
-                <a:schemeClr val="tx1"/>
-              </a:solidFill>
-              <a:effectLst/>
-              <a:uLnTx/>
-              <a:uFillTx/>
-              <a:latin typeface="+mn-lt"/>
-              <a:ea typeface="+mn-ea"/>
-              <a:cs typeface="+mn-cs"/>
-            </a:endParaRPr>
           </a:p>
           <a:p>
             <a:pPr marL="914400" marR="0" lvl="2" indent="0" algn="l" defTabSz="914400" rtl="0" eaLnBrk="1" fontAlgn="auto" latinLnBrk="0" hangingPunct="1">
@@ -723,7 +732,7 @@
               <a:defRPr/>
             </a:pPr>
             <a:r>
-              <a:rPr kumimoji="0" lang="zh-CN" altLang="en-US" sz="1200" b="0" i="0" u="none" strike="noStrike" kern="1200" cap="none" spc="0" normalizeH="0" baseline="0" noProof="0" smtClean="0">
+              <a:rPr kumimoji="0" lang="zh-CN" altLang="en-US" sz="1200" b="0" i="0" u="none" strike="noStrike" kern="1200" cap="none" spc="0" normalizeH="0" baseline="0" noProof="0">
                 <a:ln>
                   <a:noFill/>
                 </a:ln>
@@ -739,20 +748,6 @@
               </a:rPr>
               <a:t>Third level</a:t>
             </a:r>
-            <a:endParaRPr kumimoji="0" lang="zh-CN" altLang="en-US" sz="1200" b="0" i="0" u="none" strike="noStrike" kern="1200" cap="none" spc="0" normalizeH="0" baseline="0" noProof="0" smtClean="0">
-              <a:ln>
-                <a:noFill/>
-              </a:ln>
-              <a:solidFill>
-                <a:schemeClr val="tx1"/>
-              </a:solidFill>
-              <a:effectLst/>
-              <a:uLnTx/>
-              <a:uFillTx/>
-              <a:latin typeface="+mn-lt"/>
-              <a:ea typeface="+mn-ea"/>
-              <a:cs typeface="+mn-cs"/>
-            </a:endParaRPr>
           </a:p>
           <a:p>
             <a:pPr marL="1371600" marR="0" lvl="3" indent="0" algn="l" defTabSz="914400" rtl="0" eaLnBrk="1" fontAlgn="auto" latinLnBrk="0" hangingPunct="1">
@@ -772,7 +767,7 @@
               <a:defRPr/>
             </a:pPr>
             <a:r>
-              <a:rPr kumimoji="0" lang="zh-CN" altLang="en-US" sz="1200" b="0" i="0" u="none" strike="noStrike" kern="1200" cap="none" spc="0" normalizeH="0" baseline="0" noProof="0" smtClean="0">
+              <a:rPr kumimoji="0" lang="zh-CN" altLang="en-US" sz="1200" b="0" i="0" u="none" strike="noStrike" kern="1200" cap="none" spc="0" normalizeH="0" baseline="0" noProof="0">
                 <a:ln>
                   <a:noFill/>
                 </a:ln>
@@ -788,20 +783,6 @@
               </a:rPr>
               <a:t>Fourth level</a:t>
             </a:r>
-            <a:endParaRPr kumimoji="0" lang="zh-CN" altLang="en-US" sz="1200" b="0" i="0" u="none" strike="noStrike" kern="1200" cap="none" spc="0" normalizeH="0" baseline="0" noProof="0" smtClean="0">
-              <a:ln>
-                <a:noFill/>
-              </a:ln>
-              <a:solidFill>
-                <a:schemeClr val="tx1"/>
-              </a:solidFill>
-              <a:effectLst/>
-              <a:uLnTx/>
-              <a:uFillTx/>
-              <a:latin typeface="+mn-lt"/>
-              <a:ea typeface="+mn-ea"/>
-              <a:cs typeface="+mn-cs"/>
-            </a:endParaRPr>
           </a:p>
           <a:p>
             <a:pPr marL="1828800" marR="0" lvl="4" indent="0" algn="l" defTabSz="914400" rtl="0" eaLnBrk="1" fontAlgn="auto" latinLnBrk="0" hangingPunct="1">
@@ -821,7 +802,7 @@
               <a:defRPr/>
             </a:pPr>
             <a:r>
-              <a:rPr kumimoji="0" lang="zh-CN" altLang="en-US" sz="1200" b="0" i="0" u="none" strike="noStrike" kern="1200" cap="none" spc="0" normalizeH="0" baseline="0" noProof="0" smtClean="0">
+              <a:rPr kumimoji="0" lang="zh-CN" altLang="en-US" sz="1200" b="0" i="0" u="none" strike="noStrike" kern="1200" cap="none" spc="0" normalizeH="0" baseline="0" noProof="0">
                 <a:ln>
                   <a:noFill/>
                 </a:ln>
@@ -837,20 +818,6 @@
               </a:rPr>
               <a:t>Fifth level</a:t>
             </a:r>
-            <a:endParaRPr kumimoji="0" lang="zh-CN" altLang="en-US" sz="1200" b="0" i="0" u="none" strike="noStrike" kern="1200" cap="none" spc="0" normalizeH="0" baseline="0" noProof="0" smtClean="0">
-              <a:ln>
-                <a:noFill/>
-              </a:ln>
-              <a:solidFill>
-                <a:schemeClr val="tx1"/>
-              </a:solidFill>
-              <a:effectLst/>
-              <a:uLnTx/>
-              <a:uFillTx/>
-              <a:latin typeface="+mn-lt"/>
-              <a:ea typeface="+mn-ea"/>
-              <a:cs typeface="+mn-cs"/>
-            </a:endParaRPr>
           </a:p>
         </p:txBody>
       </p:sp>
@@ -972,6 +939,7 @@
                 <a:ea typeface="+mn-ea"/>
                 <a:cs typeface="+mn-cs"/>
               </a:rPr>
+              <a:t>‹#›</a:t>
             </a:fld>
             <a:endParaRPr kumimoji="0" lang="zh-CN" altLang="en-US" sz="1200" b="0" i="0" u="none" strike="noStrike" kern="1200" cap="none" spc="0" normalizeH="0" baseline="0" noProof="0">
               <a:ln>
@@ -1098,11 +1066,20 @@
         <p:cNvGrpSpPr/>
         <p:nvPr/>
       </p:nvGrpSpPr>
-      <p:grpSpPr/>
+      <p:grpSpPr>
+        <a:xfrm>
+          <a:off x="0" y="0"/>
+          <a:ext cx="0" cy="0"/>
+          <a:chOff x="0" y="0"/>
+          <a:chExt cx="0" cy="0"/>
+        </a:xfrm>
+      </p:grpSpPr>
       <p:sp>
         <p:nvSpPr>
           <p:cNvPr id="2" name="Slide Image Placeholder 1"/>
-          <p:cNvSpPr/>
+          <p:cNvSpPr>
+            <a:spLocks noGrp="1" noRot="1" noChangeAspect="1"/>
+          </p:cNvSpPr>
           <p:nvPr>
             <p:ph type="sldImg" idx="2"/>
           </p:nvPr>
@@ -1112,7 +1089,9 @@
       <p:sp>
         <p:nvSpPr>
           <p:cNvPr id="3" name="Text Placeholder 2"/>
-          <p:cNvSpPr/>
+          <p:cNvSpPr>
+            <a:spLocks noGrp="1"/>
+          </p:cNvSpPr>
           <p:nvPr>
             <p:ph type="body" idx="3"/>
           </p:nvPr>
@@ -1120,6 +1099,7 @@
         <p:spPr/>
         <p:txBody>
           <a:bodyPr/>
+          <a:lstStyle/>
           <a:p>
             <a:endParaRPr lang="en-US"/>
           </a:p>
@@ -1142,11 +1122,20 @@
         <p:cNvGrpSpPr/>
         <p:nvPr/>
       </p:nvGrpSpPr>
-      <p:grpSpPr/>
+      <p:grpSpPr>
+        <a:xfrm>
+          <a:off x="0" y="0"/>
+          <a:ext cx="0" cy="0"/>
+          <a:chOff x="0" y="0"/>
+          <a:chExt cx="0" cy="0"/>
+        </a:xfrm>
+      </p:grpSpPr>
       <p:sp>
         <p:nvSpPr>
           <p:cNvPr id="2" name="Slide Image Placeholder 1"/>
-          <p:cNvSpPr/>
+          <p:cNvSpPr>
+            <a:spLocks noGrp="1" noRot="1" noChangeAspect="1"/>
+          </p:cNvSpPr>
           <p:nvPr>
             <p:ph type="sldImg" idx="2"/>
           </p:nvPr>
@@ -1156,7 +1145,9 @@
       <p:sp>
         <p:nvSpPr>
           <p:cNvPr id="3" name="Text Placeholder 2"/>
-          <p:cNvSpPr/>
+          <p:cNvSpPr>
+            <a:spLocks noGrp="1"/>
+          </p:cNvSpPr>
           <p:nvPr>
             <p:ph type="body" idx="3"/>
           </p:nvPr>
@@ -1164,6 +1155,7 @@
         <p:spPr/>
         <p:txBody>
           <a:bodyPr/>
+          <a:lstStyle/>
           <a:p>
             <a:endParaRPr lang="en-US"/>
           </a:p>
@@ -1220,10 +1212,9 @@
           <a:p>
             <a:pPr fontAlgn="auto"/>
             <a:r>
-              <a:rPr lang="zh-CN" altLang="en-US" strike="noStrike" noProof="1" smtClean="0"/>
+              <a:rPr lang="zh-CN" altLang="en-US" strike="noStrike" noProof="1"/>
               <a:t>Click to edit Master title style</a:t>
             </a:r>
-            <a:endParaRPr lang="zh-CN" altLang="en-US" strike="noStrike" noProof="1" smtClean="0"/>
           </a:p>
         </p:txBody>
       </p:sp>
@@ -1286,10 +1277,9 @@
           <a:p>
             <a:pPr fontAlgn="auto"/>
             <a:r>
-              <a:rPr lang="zh-CN" altLang="en-US" strike="noStrike" noProof="1" smtClean="0"/>
+              <a:rPr lang="zh-CN" altLang="en-US" strike="noStrike" noProof="1"/>
               <a:t>Click to edit Master title style</a:t>
             </a:r>
-            <a:endParaRPr lang="zh-CN" altLang="en-US" strike="noStrike" noProof="1" smtClean="0"/>
           </a:p>
         </p:txBody>
       </p:sp>
@@ -1306,6 +1296,7 @@
         <p:spPr/>
         <p:txBody>
           <a:bodyPr/>
+          <a:lstStyle/>
           <a:p>
             <a:pPr marL="0" marR="0" lvl="0" indent="0" algn="l" defTabSz="914400" rtl="0" eaLnBrk="1" fontAlgn="auto" latinLnBrk="0" hangingPunct="1">
               <a:lnSpc>
@@ -1355,6 +1346,7 @@
         <p:spPr/>
         <p:txBody>
           <a:bodyPr/>
+          <a:lstStyle/>
           <a:p>
             <a:pPr marL="0" marR="0" lvl="0" indent="0" algn="ctr" defTabSz="914400" rtl="0" eaLnBrk="1" fontAlgn="auto" latinLnBrk="0" hangingPunct="1">
               <a:lnSpc>
@@ -1404,6 +1396,7 @@
         <p:spPr/>
         <p:txBody>
           <a:bodyPr/>
+          <a:lstStyle/>
           <a:p>
             <a:pPr marL="0" marR="0" lvl="0" indent="0" algn="r" defTabSz="914400" rtl="0" eaLnBrk="1" fontAlgn="auto" latinLnBrk="0" hangingPunct="1">
               <a:lnSpc>
@@ -1438,6 +1431,7 @@
                 <a:ea typeface="+mn-ea"/>
                 <a:cs typeface="+mn-cs"/>
               </a:rPr>
+              <a:t>‹#›</a:t>
             </a:fld>
             <a:endParaRPr kumimoji="0" lang="zh-CN" altLang="en-US" sz="1200" b="0" i="0" u="none" strike="noStrike" kern="1200" cap="none" spc="0" normalizeH="0" baseline="0" noProof="0">
               <a:ln>
@@ -1500,10 +1494,9 @@
           <a:p>
             <a:pPr fontAlgn="auto"/>
             <a:r>
-              <a:rPr lang="zh-CN" altLang="en-US" strike="noStrike" noProof="1" smtClean="0"/>
+              <a:rPr lang="zh-CN" altLang="en-US" strike="noStrike" noProof="1"/>
               <a:t>Click to edit Master title style</a:t>
             </a:r>
-            <a:endParaRPr lang="zh-CN" altLang="en-US" strike="noStrike" noProof="1" smtClean="0"/>
           </a:p>
         </p:txBody>
       </p:sp>
@@ -1524,42 +1517,37 @@
           <a:p>
             <a:pPr lvl="0" fontAlgn="auto"/>
             <a:r>
-              <a:rPr lang="zh-CN" altLang="en-US" strike="noStrike" noProof="1" smtClean="0"/>
+              <a:rPr lang="zh-CN" altLang="en-US" strike="noStrike" noProof="1"/>
               <a:t>Click to edit Master text style</a:t>
             </a:r>
-            <a:endParaRPr lang="zh-CN" altLang="en-US" strike="noStrike" noProof="1" smtClean="0"/>
           </a:p>
           <a:p>
             <a:pPr lvl="1" fontAlgn="auto"/>
             <a:r>
-              <a:rPr lang="zh-CN" altLang="en-US" strike="noStrike" noProof="1" smtClean="0"/>
+              <a:rPr lang="zh-CN" altLang="en-US" strike="noStrike" noProof="1"/>
               <a:t>Second level</a:t>
             </a:r>
-            <a:endParaRPr lang="zh-CN" altLang="en-US" strike="noStrike" noProof="1" smtClean="0"/>
           </a:p>
           <a:p>
             <a:pPr lvl="2" fontAlgn="auto"/>
             <a:r>
-              <a:rPr lang="zh-CN" altLang="en-US" strike="noStrike" noProof="1" smtClean="0"/>
+              <a:rPr lang="zh-CN" altLang="en-US" strike="noStrike" noProof="1"/>
               <a:t>Third level</a:t>
             </a:r>
-            <a:endParaRPr lang="zh-CN" altLang="en-US" strike="noStrike" noProof="1" smtClean="0"/>
           </a:p>
           <a:p>
             <a:pPr lvl="3" fontAlgn="auto"/>
             <a:r>
-              <a:rPr lang="zh-CN" altLang="en-US" strike="noStrike" noProof="1" smtClean="0"/>
+              <a:rPr lang="zh-CN" altLang="en-US" strike="noStrike" noProof="1"/>
               <a:t>Fourth level</a:t>
             </a:r>
-            <a:endParaRPr lang="zh-CN" altLang="en-US" strike="noStrike" noProof="1" smtClean="0"/>
           </a:p>
           <a:p>
             <a:pPr lvl="4" fontAlgn="auto"/>
             <a:r>
-              <a:rPr lang="zh-CN" altLang="en-US" strike="noStrike" noProof="1" smtClean="0"/>
+              <a:rPr lang="zh-CN" altLang="en-US" strike="noStrike" noProof="1"/>
               <a:t>Fifth level</a:t>
             </a:r>
-            <a:endParaRPr lang="zh-CN" altLang="en-US" strike="noStrike" noProof="1" smtClean="0"/>
           </a:p>
         </p:txBody>
       </p:sp>
@@ -1576,6 +1564,7 @@
         <p:spPr/>
         <p:txBody>
           <a:bodyPr/>
+          <a:lstStyle/>
           <a:p>
             <a:pPr marL="0" marR="0" lvl="0" indent="0" algn="l" defTabSz="914400" rtl="0" eaLnBrk="1" fontAlgn="auto" latinLnBrk="0" hangingPunct="1">
               <a:lnSpc>
@@ -1625,6 +1614,7 @@
         <p:spPr/>
         <p:txBody>
           <a:bodyPr/>
+          <a:lstStyle/>
           <a:p>
             <a:pPr marL="0" marR="0" lvl="0" indent="0" algn="ctr" defTabSz="914400" rtl="0" eaLnBrk="1" fontAlgn="auto" latinLnBrk="0" hangingPunct="1">
               <a:lnSpc>
@@ -1674,6 +1664,7 @@
         <p:spPr/>
         <p:txBody>
           <a:bodyPr/>
+          <a:lstStyle/>
           <a:p>
             <a:pPr marL="0" marR="0" lvl="0" indent="0" algn="r" defTabSz="914400" rtl="0" eaLnBrk="1" fontAlgn="auto" latinLnBrk="0" hangingPunct="1">
               <a:lnSpc>
@@ -1708,6 +1699,7 @@
                 <a:ea typeface="+mn-ea"/>
                 <a:cs typeface="+mn-cs"/>
               </a:rPr>
+              <a:t>‹#›</a:t>
             </a:fld>
             <a:endParaRPr kumimoji="0" lang="zh-CN" altLang="en-US" sz="1200" b="0" i="0" u="none" strike="noStrike" kern="1200" cap="none" spc="0" normalizeH="0" baseline="0" noProof="0">
               <a:ln>
@@ -1750,7 +1742,14 @@
         <p:cNvGrpSpPr/>
         <p:nvPr/>
       </p:nvGrpSpPr>
-      <p:grpSpPr/>
+      <p:grpSpPr>
+        <a:xfrm>
+          <a:off x="0" y="0"/>
+          <a:ext cx="0" cy="0"/>
+          <a:chOff x="0" y="0"/>
+          <a:chExt cx="0" cy="0"/>
+        </a:xfrm>
+      </p:grpSpPr>
       <p:sp>
         <p:nvSpPr>
           <p:cNvPr id="1026" name="标题占位符 1"/>
@@ -1776,13 +1775,13 @@
         </p:spPr>
         <p:txBody>
           <a:bodyPr anchor="ctr"/>
+          <a:lstStyle/>
           <a:p>
             <a:pPr lvl="0"/>
             <a:r>
               <a:rPr lang="zh-CN" altLang="en-US" dirty="0"/>
               <a:t>Click to edit Master title style</a:t>
             </a:r>
-            <a:endParaRPr lang="zh-CN" altLang="en-US" dirty="0"/>
           </a:p>
         </p:txBody>
       </p:sp>
@@ -1811,13 +1810,13 @@
         </p:spPr>
         <p:txBody>
           <a:bodyPr anchor="t"/>
+          <a:lstStyle/>
           <a:p>
             <a:pPr lvl="0" indent="-228600"/>
             <a:r>
               <a:rPr lang="zh-CN" altLang="en-US" dirty="0"/>
               <a:t>Click to edit Master text style</a:t>
             </a:r>
-            <a:endParaRPr lang="zh-CN" altLang="en-US" dirty="0"/>
           </a:p>
           <a:p>
             <a:pPr lvl="1" indent="-228600"/>
@@ -1825,7 +1824,6 @@
               <a:rPr lang="zh-CN" altLang="en-US" dirty="0"/>
               <a:t>Second level</a:t>
             </a:r>
-            <a:endParaRPr lang="zh-CN" altLang="en-US" dirty="0"/>
           </a:p>
           <a:p>
             <a:pPr lvl="2" indent="-228600"/>
@@ -1833,7 +1831,6 @@
               <a:rPr lang="zh-CN" altLang="en-US" dirty="0"/>
               <a:t>Third level</a:t>
             </a:r>
-            <a:endParaRPr lang="zh-CN" altLang="en-US" dirty="0"/>
           </a:p>
           <a:p>
             <a:pPr lvl="3" indent="-228600"/>
@@ -1841,7 +1838,6 @@
               <a:rPr lang="zh-CN" altLang="en-US" dirty="0"/>
               <a:t>Fourth level</a:t>
             </a:r>
-            <a:endParaRPr lang="zh-CN" altLang="en-US" dirty="0"/>
           </a:p>
           <a:p>
             <a:pPr lvl="4" indent="-228600"/>
@@ -1849,7 +1845,6 @@
               <a:rPr lang="zh-CN" altLang="en-US" dirty="0"/>
               <a:t>Fifth level</a:t>
             </a:r>
-            <a:endParaRPr lang="zh-CN" altLang="en-US" dirty="0"/>
           </a:p>
         </p:txBody>
       </p:sp>
@@ -2055,6 +2050,7 @@
                 <a:ea typeface="+mn-ea"/>
                 <a:cs typeface="+mn-cs"/>
               </a:rPr>
+              <a:t>‹#›</a:t>
             </a:fld>
             <a:endParaRPr kumimoji="0" lang="zh-CN" altLang="en-US" sz="1200" b="0" i="0" u="none" strike="noStrike" kern="1200" cap="none" spc="0" normalizeH="0" baseline="0" noProof="0">
               <a:ln>
@@ -2375,7 +2371,14 @@
         <p:cNvGrpSpPr/>
         <p:nvPr/>
       </p:nvGrpSpPr>
-      <p:grpSpPr/>
+      <p:grpSpPr>
+        <a:xfrm>
+          <a:off x="0" y="0"/>
+          <a:ext cx="0" cy="0"/>
+          <a:chOff x="0" y="0"/>
+          <a:chExt cx="0" cy="0"/>
+        </a:xfrm>
+      </p:grpSpPr>
       <p:pic>
         <p:nvPicPr>
           <p:cNvPr id="4097" name="图片 6"/>
@@ -2385,7 +2388,7 @@
           <p:nvPr/>
         </p:nvPicPr>
         <p:blipFill>
-          <a:blip r:embed="rId1"/>
+          <a:blip r:embed="rId2"/>
           <a:srcRect r="4405" b="3990"/>
           <a:stretch>
             <a:fillRect/>
@@ -2578,6 +2581,7 @@
           <a:bodyPr wrap="none" anchor="t">
             <a:spAutoFit/>
           </a:bodyPr>
+          <a:lstStyle/>
           <a:p>
             <a:r>
               <a:rPr lang="en-US" altLang="zh-CN" sz="8000" b="1" dirty="0">
@@ -2622,6 +2626,7 @@
           <a:bodyPr wrap="square" anchor="t">
             <a:spAutoFit/>
           </a:bodyPr>
+          <a:lstStyle/>
           <a:p>
             <a:pPr algn="ctr">
               <a:buFont typeface="Arial" panose="020B0604020202020204" pitchFamily="34" charset="0"/>
@@ -2636,13 +2641,6 @@
               </a:rPr>
               <a:t>Demo</a:t>
             </a:r>
-            <a:endParaRPr lang="en-US" altLang="zh-CN" sz="2000" dirty="0">
-              <a:solidFill>
-                <a:schemeClr val="bg1"/>
-              </a:solidFill>
-              <a:latin typeface="Microsoft YaHei" panose="020B0503020204020204" pitchFamily="34" charset="-122"/>
-              <a:ea typeface="Microsoft YaHei" panose="020B0503020204020204" pitchFamily="34" charset="-122"/>
-            </a:endParaRPr>
           </a:p>
         </p:txBody>
       </p:sp>
@@ -3279,7 +3277,14 @@
         <p:cNvGrpSpPr/>
         <p:nvPr/>
       </p:nvGrpSpPr>
-      <p:grpSpPr/>
+      <p:grpSpPr>
+        <a:xfrm>
+          <a:off x="0" y="0"/>
+          <a:ext cx="0" cy="0"/>
+          <a:chOff x="0" y="0"/>
+          <a:chExt cx="0" cy="0"/>
+        </a:xfrm>
+      </p:grpSpPr>
       <p:sp>
         <p:nvSpPr>
           <p:cNvPr id="10241" name="文本框 5"/>
@@ -3303,6 +3308,7 @@
           <a:bodyPr wrap="none" anchor="t">
             <a:spAutoFit/>
           </a:bodyPr>
+          <a:lstStyle/>
           <a:p>
             <a:pPr>
               <a:buFont typeface="Arial" panose="020B0604020202020204" pitchFamily="34" charset="0"/>
@@ -3317,13 +3323,6 @@
               </a:rPr>
               <a:t>Kết quả sau khi run code </a:t>
             </a:r>
-            <a:endParaRPr lang="en-US" altLang="zh-CN" sz="2400" b="1" dirty="0">
-              <a:solidFill>
-                <a:srgbClr val="3193B8"/>
-              </a:solidFill>
-              <a:latin typeface="Microsoft YaHei" panose="020B0503020204020204" pitchFamily="34" charset="-122"/>
-              <a:ea typeface="Microsoft YaHei" panose="020B0503020204020204" pitchFamily="34" charset="-122"/>
-            </a:endParaRPr>
           </a:p>
         </p:txBody>
       </p:sp>
@@ -3928,14 +3927,14 @@
         <p:nvPicPr>
           <p:cNvPr id="5" name="Content Placeholder 4"/>
           <p:cNvPicPr>
-            <a:picLocks noChangeAspect="1"/>
+            <a:picLocks noGrp="1" noChangeAspect="1"/>
           </p:cNvPicPr>
           <p:nvPr>
             <p:ph idx="1"/>
           </p:nvPr>
         </p:nvPicPr>
         <p:blipFill>
-          <a:blip r:embed="rId1"/>
+          <a:blip r:embed="rId2"/>
           <a:stretch>
             <a:fillRect/>
           </a:stretch>
@@ -3967,7 +3966,14 @@
         <p:cNvGrpSpPr/>
         <p:nvPr/>
       </p:nvGrpSpPr>
-      <p:grpSpPr/>
+      <p:grpSpPr>
+        <a:xfrm>
+          <a:off x="0" y="0"/>
+          <a:ext cx="0" cy="0"/>
+          <a:chOff x="0" y="0"/>
+          <a:chExt cx="0" cy="0"/>
+        </a:xfrm>
+      </p:grpSpPr>
       <p:pic>
         <p:nvPicPr>
           <p:cNvPr id="6145" name="图片 6"/>
@@ -3977,7 +3983,7 @@
           <p:nvPr/>
         </p:nvPicPr>
         <p:blipFill>
-          <a:blip r:embed="rId1"/>
+          <a:blip r:embed="rId2"/>
           <a:srcRect r="4405" b="3990"/>
           <a:stretch>
             <a:fillRect/>
@@ -4237,6 +4243,7 @@
             <a:bodyPr wrap="square" anchor="t">
               <a:spAutoFit/>
             </a:bodyPr>
+            <a:lstStyle/>
             <a:p>
               <a:pPr algn="ctr"/>
               <a:r>
@@ -4249,13 +4256,6 @@
                 </a:rPr>
                 <a:t>Demo run</a:t>
               </a:r>
-              <a:endParaRPr lang="en-US" altLang="zh-CN" sz="4000" b="1" dirty="0">
-                <a:solidFill>
-                  <a:srgbClr val="4AB5C5"/>
-                </a:solidFill>
-                <a:latin typeface="Microsoft YaHei" panose="020B0503020204020204" pitchFamily="34" charset="-122"/>
-                <a:ea typeface="Microsoft YaHei" panose="020B0503020204020204" pitchFamily="34" charset="-122"/>
-              </a:endParaRPr>
             </a:p>
           </p:txBody>
         </p:sp>
@@ -4431,7 +4431,14 @@
         <p:cNvGrpSpPr/>
         <p:nvPr/>
       </p:nvGrpSpPr>
-      <p:grpSpPr/>
+      <p:grpSpPr>
+        <a:xfrm>
+          <a:off x="0" y="0"/>
+          <a:ext cx="0" cy="0"/>
+          <a:chOff x="0" y="0"/>
+          <a:chExt cx="0" cy="0"/>
+        </a:xfrm>
+      </p:grpSpPr>
       <p:pic>
         <p:nvPicPr>
           <p:cNvPr id="6145" name="图片 6"/>
@@ -4441,7 +4448,7 @@
           <p:nvPr/>
         </p:nvPicPr>
         <p:blipFill>
-          <a:blip r:embed="rId1"/>
+          <a:blip r:embed="rId2"/>
           <a:srcRect r="4405" b="3990"/>
           <a:stretch>
             <a:fillRect/>
@@ -4701,6 +4708,7 @@
             <a:bodyPr wrap="square" anchor="t">
               <a:spAutoFit/>
             </a:bodyPr>
+            <a:lstStyle/>
             <a:p>
               <a:pPr algn="ctr"/>
               <a:r>
@@ -4713,13 +4721,6 @@
                 </a:rPr>
                 <a:t>Kết luận</a:t>
               </a:r>
-              <a:endParaRPr lang="en-US" altLang="zh-CN" sz="4000" b="1" dirty="0">
-                <a:solidFill>
-                  <a:srgbClr val="4AB5C5"/>
-                </a:solidFill>
-                <a:latin typeface="Microsoft YaHei" panose="020B0503020204020204" pitchFamily="34" charset="-122"/>
-                <a:ea typeface="Microsoft YaHei" panose="020B0503020204020204" pitchFamily="34" charset="-122"/>
-              </a:endParaRPr>
             </a:p>
           </p:txBody>
         </p:sp>
@@ -4895,7 +4896,14 @@
         <p:cNvGrpSpPr/>
         <p:nvPr/>
       </p:nvGrpSpPr>
-      <p:grpSpPr/>
+      <p:grpSpPr>
+        <a:xfrm>
+          <a:off x="0" y="0"/>
+          <a:ext cx="0" cy="0"/>
+          <a:chOff x="0" y="0"/>
+          <a:chExt cx="0" cy="0"/>
+        </a:xfrm>
+      </p:grpSpPr>
       <p:sp>
         <p:nvSpPr>
           <p:cNvPr id="24" name="矩形 1"/>
@@ -5640,6 +5648,7 @@
                   <a:pos x="971731" y="164804"/>
                 </a:cxn>
               </a:cxnLst>
+              <a:rect l="0" t="0" r="0" b="0"/>
               <a:pathLst>
                 <a:path w="420" h="354">
                   <a:moveTo>
@@ -5775,6 +5784,7 @@
           </p:spPr>
           <p:txBody>
             <a:bodyPr/>
+            <a:lstStyle/>
             <a:p>
               <a:endParaRPr lang="en-US"/>
             </a:p>
@@ -5988,6 +5998,7 @@
                   <a:pos x="75459" y="87198"/>
                 </a:cxn>
               </a:cxnLst>
+              <a:rect l="0" t="0" r="0" b="0"/>
               <a:pathLst>
                 <a:path w="377" h="194">
                   <a:moveTo>
@@ -6310,6 +6321,7 @@
           </p:spPr>
           <p:txBody>
             <a:bodyPr/>
+            <a:lstStyle/>
             <a:p>
               <a:endParaRPr lang="en-US"/>
             </a:p>
@@ -6350,6 +6362,7 @@
                   <a:pos x="847725" y="571500"/>
                 </a:cxn>
               </a:cxnLst>
+              <a:rect l="0" t="0" r="0" b="0"/>
               <a:pathLst>
                 <a:path w="534" h="360">
                   <a:moveTo>
@@ -6383,6 +6396,7 @@
           </p:spPr>
           <p:txBody>
             <a:bodyPr/>
+            <a:lstStyle/>
             <a:p>
               <a:endParaRPr lang="en-US"/>
             </a:p>
@@ -6423,6 +6437,7 @@
                   <a:pos x="1031875" y="2179257"/>
                 </a:cxn>
               </a:cxnLst>
+              <a:rect l="0" t="0" r="0" b="0"/>
               <a:pathLst>
                 <a:path w="650" h="626">
                   <a:moveTo>
@@ -6456,6 +6471,7 @@
           </p:spPr>
           <p:txBody>
             <a:bodyPr/>
+            <a:lstStyle/>
             <a:p>
               <a:endParaRPr lang="en-US"/>
             </a:p>
@@ -6484,6 +6500,7 @@
           </p:spPr>
           <p:txBody>
             <a:bodyPr anchor="t"/>
+            <a:lstStyle/>
             <a:p>
               <a:endParaRPr lang="zh-CN" altLang="en-US" dirty="0">
                 <a:solidFill>
@@ -6551,13 +6568,13 @@
           <a:bodyPr wrap="square" rtlCol="0" anchor="t" anchorCtr="0">
             <a:spAutoFit/>
           </a:bodyPr>
+          <a:lstStyle/>
           <a:p>
             <a:pPr algn="just"/>
             <a:r>
               <a:rPr lang="en-US"/>
               <a:t>Nhóm đã học được cách hoạt động trong một tập thể, một nhóm lớn. Tìm hiểu và củng cố cách thiết kế layout để trình bày</a:t>
             </a:r>
-            <a:endParaRPr lang="en-US"/>
           </a:p>
           <a:p>
             <a:pPr algn="just"/>
@@ -6594,13 +6611,26 @@
                 <a:tableStyleId>{F5AB1C69-6EDB-4FF4-983F-18BD219EF322}</a:tableStyleId>
               </a:tblPr>
               <a:tblGrid>
-                <a:gridCol w="3423920"/>
-                <a:gridCol w="3423920"/>
+                <a:gridCol w="3423920">
+                  <a:extLst>
+                    <a:ext uri="{9D8B030D-6E8A-4147-A177-3AD203B41FA5}">
+                      <a16:colId xmlns:a16="http://schemas.microsoft.com/office/drawing/2014/main" val="20000"/>
+                    </a:ext>
+                  </a:extLst>
+                </a:gridCol>
+                <a:gridCol w="3423920">
+                  <a:extLst>
+                    <a:ext uri="{9D8B030D-6E8A-4147-A177-3AD203B41FA5}">
+                      <a16:colId xmlns:a16="http://schemas.microsoft.com/office/drawing/2014/main" val="20001"/>
+                    </a:ext>
+                  </a:extLst>
+                </a:gridCol>
               </a:tblGrid>
               <a:tr h="461010">
                 <a:tc>
                   <a:txBody>
                     <a:bodyPr/>
+                    <a:lstStyle/>
                     <a:p>
                       <a:pPr algn="ctr">
                         <a:buNone/>
@@ -6609,7 +6639,6 @@
                         <a:rPr lang="en-US"/>
                         <a:t>Tên thành viên</a:t>
                       </a:r>
-                      <a:endParaRPr lang="en-US"/>
                     </a:p>
                   </a:txBody>
                   <a:tcPr>
@@ -6621,6 +6650,7 @@
                 <a:tc>
                   <a:txBody>
                     <a:bodyPr/>
+                    <a:lstStyle/>
                     <a:p>
                       <a:pPr algn="ctr">
                         <a:buNone/>
@@ -6629,7 +6659,6 @@
                         <a:rPr lang="en-US"/>
                         <a:t>Đóng góp</a:t>
                       </a:r>
-                      <a:endParaRPr lang="en-US"/>
                     </a:p>
                   </a:txBody>
                   <a:tcPr>
@@ -6638,11 +6667,17 @@
                     </a:solidFill>
                   </a:tcPr>
                 </a:tc>
+                <a:extLst>
+                  <a:ext uri="{0D108BD9-81ED-4DB2-BD59-A6C34878D82A}">
+                    <a16:rowId xmlns:a16="http://schemas.microsoft.com/office/drawing/2014/main" val="10000"/>
+                  </a:ext>
+                </a:extLst>
               </a:tr>
               <a:tr h="640080">
                 <a:tc>
                   <a:txBody>
                     <a:bodyPr/>
+                    <a:lstStyle/>
                     <a:p>
                       <a:pPr>
                         <a:buNone/>
@@ -6651,7 +6686,6 @@
                         <a:rPr lang="en-US"/>
                         <a:t>Phạm Đức Khánh Duy</a:t>
                       </a:r>
-                      <a:endParaRPr lang="en-US"/>
                     </a:p>
                   </a:txBody>
                   <a:tcPr/>
@@ -6659,6 +6693,7 @@
                 <a:tc>
                   <a:txBody>
                     <a:bodyPr/>
+                    <a:lstStyle/>
                     <a:p>
                       <a:pPr>
                         <a:buNone/>
@@ -6667,7 +6702,6 @@
                         <a:rPr lang="en-US"/>
                         <a:t>Làm pptx </a:t>
                       </a:r>
-                      <a:endParaRPr lang="en-US"/>
                     </a:p>
                     <a:p>
                       <a:pPr>
@@ -6681,16 +6715,21 @@
                         <a:rPr lang="en-US" sz="1800"/>
                         <a:t>hiểu code</a:t>
                       </a:r>
-                      <a:endParaRPr lang="en-US" sz="1800"/>
                     </a:p>
                   </a:txBody>
                   <a:tcPr/>
                 </a:tc>
+                <a:extLst>
+                  <a:ext uri="{0D108BD9-81ED-4DB2-BD59-A6C34878D82A}">
+                    <a16:rowId xmlns:a16="http://schemas.microsoft.com/office/drawing/2014/main" val="10001"/>
+                  </a:ext>
+                </a:extLst>
               </a:tr>
               <a:tr h="640080">
                 <a:tc>
                   <a:txBody>
                     <a:bodyPr/>
+                    <a:lstStyle/>
                     <a:p>
                       <a:pPr>
                         <a:buNone/>
@@ -6699,7 +6738,6 @@
                         <a:rPr lang="en-US"/>
                         <a:t>Diệp Thiên Thiên</a:t>
                       </a:r>
-                      <a:endParaRPr lang="en-US"/>
                     </a:p>
                   </a:txBody>
                   <a:tcPr/>
@@ -6707,6 +6745,7 @@
                 <a:tc>
                   <a:txBody>
                     <a:bodyPr/>
+                    <a:lstStyle/>
                     <a:p>
                       <a:pPr>
                         <a:buNone/>
@@ -6715,7 +6754,6 @@
                         <a:rPr lang="en-US"/>
                         <a:t>Chỉnh sửa code</a:t>
                       </a:r>
-                      <a:endParaRPr lang="en-US"/>
                     </a:p>
                     <a:p>
                       <a:pPr>
@@ -6725,16 +6763,21 @@
                         <a:rPr lang="en-US"/>
                         <a:t>Add chức năng</a:t>
                       </a:r>
-                      <a:endParaRPr lang="en-US"/>
                     </a:p>
                   </a:txBody>
                   <a:tcPr/>
                 </a:tc>
+                <a:extLst>
+                  <a:ext uri="{0D108BD9-81ED-4DB2-BD59-A6C34878D82A}">
+                    <a16:rowId xmlns:a16="http://schemas.microsoft.com/office/drawing/2014/main" val="10002"/>
+                  </a:ext>
+                </a:extLst>
               </a:tr>
               <a:tr h="365760">
                 <a:tc>
                   <a:txBody>
                     <a:bodyPr/>
+                    <a:lstStyle/>
                     <a:p>
                       <a:pPr>
                         <a:buNone/>
@@ -6743,7 +6786,6 @@
                         <a:rPr lang="en-US"/>
                         <a:t>Lê Thanh Bảo</a:t>
                       </a:r>
-                      <a:endParaRPr lang="en-US"/>
                     </a:p>
                   </a:txBody>
                   <a:tcPr/>
@@ -6751,6 +6793,7 @@
                 <a:tc>
                   <a:txBody>
                     <a:bodyPr/>
+                    <a:lstStyle/>
                     <a:p>
                       <a:pPr>
                         <a:buNone/>
@@ -6759,16 +6802,21 @@
                         <a:rPr lang="en-US"/>
                         <a:t>Làm layout</a:t>
                       </a:r>
-                      <a:endParaRPr lang="en-US"/>
                     </a:p>
                   </a:txBody>
                   <a:tcPr/>
                 </a:tc>
+                <a:extLst>
+                  <a:ext uri="{0D108BD9-81ED-4DB2-BD59-A6C34878D82A}">
+                    <a16:rowId xmlns:a16="http://schemas.microsoft.com/office/drawing/2014/main" val="10003"/>
+                  </a:ext>
+                </a:extLst>
               </a:tr>
               <a:tr h="640080">
                 <a:tc>
                   <a:txBody>
                     <a:bodyPr/>
+                    <a:lstStyle/>
                     <a:p>
                       <a:pPr>
                         <a:buNone/>
@@ -6777,7 +6825,6 @@
                         <a:rPr lang="en-US"/>
                         <a:t>Hàn Trung Kiên</a:t>
                       </a:r>
-                      <a:endParaRPr lang="en-US"/>
                     </a:p>
                   </a:txBody>
                   <a:tcPr/>
@@ -6785,6 +6832,7 @@
                 <a:tc>
                   <a:txBody>
                     <a:bodyPr/>
+                    <a:lstStyle/>
                     <a:p>
                       <a:pPr>
                         <a:buNone/>
@@ -6793,7 +6841,6 @@
                         <a:rPr lang="en-US" sz="1800"/>
                         <a:t>Đọc sách, hiểu code</a:t>
                       </a:r>
-                      <a:endParaRPr lang="en-US" sz="1800"/>
                     </a:p>
                     <a:p>
                       <a:pPr>
@@ -6804,6 +6851,11 @@
                   </a:txBody>
                   <a:tcPr/>
                 </a:tc>
+                <a:extLst>
+                  <a:ext uri="{0D108BD9-81ED-4DB2-BD59-A6C34878D82A}">
+                    <a16:rowId xmlns:a16="http://schemas.microsoft.com/office/drawing/2014/main" val="10004"/>
+                  </a:ext>
+                </a:extLst>
               </a:tr>
             </a:tbl>
           </a:graphicData>
@@ -6912,7 +6964,14 @@
         <p:cNvGrpSpPr/>
         <p:nvPr/>
       </p:nvGrpSpPr>
-      <p:grpSpPr/>
+      <p:grpSpPr>
+        <a:xfrm>
+          <a:off x="0" y="0"/>
+          <a:ext cx="0" cy="0"/>
+          <a:chOff x="0" y="0"/>
+          <a:chExt cx="0" cy="0"/>
+        </a:xfrm>
+      </p:grpSpPr>
       <p:sp>
         <p:nvSpPr>
           <p:cNvPr id="2" name="Text Box 1"/>
@@ -6922,7 +6981,7 @@
         <p:spPr>
           <a:xfrm>
             <a:off x="1047750" y="2190750"/>
-            <a:ext cx="10506075" cy="2306955"/>
+            <a:ext cx="10506075" cy="1200329"/>
           </a:xfrm>
           <a:prstGeom prst="rect">
             <a:avLst/>
@@ -6933,6 +6992,7 @@
           <a:bodyPr wrap="square" rtlCol="0">
             <a:spAutoFit/>
           </a:bodyPr>
+          <a:lstStyle/>
           <a:p>
             <a:pPr algn="ctr"/>
             <a:r>
@@ -6943,15 +7003,8 @@
                 <a:latin typeface="Castellar" panose="020A0402060406010301" charset="0"/>
                 <a:cs typeface="Castellar" panose="020A0402060406010301" charset="0"/>
               </a:rPr>
-              <a:t>Cám ơn mn đã lắng nghe</a:t>
+              <a:t>Thanks everyone</a:t>
             </a:r>
-            <a:endParaRPr lang="en-US" sz="7200">
-              <a:solidFill>
-                <a:srgbClr val="FF0000"/>
-              </a:solidFill>
-              <a:latin typeface="Castellar" panose="020A0402060406010301" charset="0"/>
-              <a:cs typeface="Castellar" panose="020A0402060406010301" charset="0"/>
-            </a:endParaRPr>
           </a:p>
         </p:txBody>
       </p:sp>
@@ -6972,7 +7025,14 @@
         <p:cNvGrpSpPr/>
         <p:nvPr/>
       </p:nvGrpSpPr>
-      <p:grpSpPr/>
+      <p:grpSpPr>
+        <a:xfrm>
+          <a:off x="0" y="0"/>
+          <a:ext cx="0" cy="0"/>
+          <a:chOff x="0" y="0"/>
+          <a:chExt cx="0" cy="0"/>
+        </a:xfrm>
+      </p:grpSpPr>
       <p:pic>
         <p:nvPicPr>
           <p:cNvPr id="4097" name="图片 6"/>
@@ -6982,7 +7042,7 @@
           <p:nvPr/>
         </p:nvPicPr>
         <p:blipFill>
-          <a:blip r:embed="rId1"/>
+          <a:blip r:embed="rId2"/>
           <a:srcRect r="4405" b="3990"/>
           <a:stretch>
             <a:fillRect/>
@@ -7175,6 +7235,7 @@
           <a:bodyPr wrap="none" anchor="t">
             <a:spAutoFit/>
           </a:bodyPr>
+          <a:lstStyle/>
           <a:p>
             <a:r>
               <a:rPr lang="en-US" sz="8000" b="1" dirty="0">
@@ -7186,13 +7247,6 @@
               </a:rPr>
               <a:t>Thành viên</a:t>
             </a:r>
-            <a:endParaRPr lang="en-US" sz="8000" b="1" dirty="0">
-              <a:solidFill>
-                <a:schemeClr val="bg1"/>
-              </a:solidFill>
-              <a:latin typeface="Impact" panose="020B0806030902050204" pitchFamily="34" charset="0"/>
-              <a:ea typeface="Microsoft YaHei" panose="020B0503020204020204" pitchFamily="34" charset="-122"/>
-            </a:endParaRPr>
           </a:p>
         </p:txBody>
       </p:sp>
@@ -7219,6 +7273,7 @@
           <a:bodyPr wrap="square" anchor="t">
             <a:spAutoFit/>
           </a:bodyPr>
+          <a:lstStyle/>
           <a:p>
             <a:pPr algn="ctr">
               <a:lnSpc>
@@ -7236,13 +7291,6 @@
               </a:rPr>
               <a:t>Phạm Đức Khánh Duy</a:t>
             </a:r>
-            <a:endParaRPr lang="en-US" altLang="zh-CN" sz="2000" dirty="0">
-              <a:solidFill>
-                <a:schemeClr val="bg1"/>
-              </a:solidFill>
-              <a:latin typeface="Microsoft YaHei" panose="020B0503020204020204" pitchFamily="34" charset="-122"/>
-              <a:ea typeface="Microsoft YaHei" panose="020B0503020204020204" pitchFamily="34" charset="-122"/>
-            </a:endParaRPr>
           </a:p>
           <a:p>
             <a:pPr algn="ctr">
@@ -7261,13 +7309,6 @@
               </a:rPr>
               <a:t>Diệp Thiên Thiên</a:t>
             </a:r>
-            <a:endParaRPr lang="en-US" altLang="zh-CN" sz="2000" dirty="0">
-              <a:solidFill>
-                <a:schemeClr val="bg1"/>
-              </a:solidFill>
-              <a:latin typeface="Microsoft YaHei" panose="020B0503020204020204" pitchFamily="34" charset="-122"/>
-              <a:ea typeface="Microsoft YaHei" panose="020B0503020204020204" pitchFamily="34" charset="-122"/>
-            </a:endParaRPr>
           </a:p>
           <a:p>
             <a:pPr algn="ctr">
@@ -7286,13 +7327,6 @@
               </a:rPr>
               <a:t>Lê Thanh Bảo</a:t>
             </a:r>
-            <a:endParaRPr lang="en-US" altLang="zh-CN" sz="2000" dirty="0">
-              <a:solidFill>
-                <a:schemeClr val="bg1"/>
-              </a:solidFill>
-              <a:latin typeface="Microsoft YaHei" panose="020B0503020204020204" pitchFamily="34" charset="-122"/>
-              <a:ea typeface="Microsoft YaHei" panose="020B0503020204020204" pitchFamily="34" charset="-122"/>
-            </a:endParaRPr>
           </a:p>
           <a:p>
             <a:pPr algn="ctr">
@@ -7331,13 +7365,6 @@
               </a:rPr>
               <a:t>)</a:t>
             </a:r>
-            <a:endParaRPr lang="en-US" altLang="zh-CN" sz="2000" dirty="0">
-              <a:solidFill>
-                <a:schemeClr val="bg1"/>
-              </a:solidFill>
-              <a:latin typeface="Microsoft YaHei" panose="020B0503020204020204" pitchFamily="34" charset="-122"/>
-              <a:ea typeface="Microsoft YaHei" panose="020B0503020204020204" pitchFamily="34" charset="-122"/>
-            </a:endParaRPr>
           </a:p>
         </p:txBody>
       </p:sp>
@@ -7974,7 +8001,14 @@
         <p:cNvGrpSpPr/>
         <p:nvPr/>
       </p:nvGrpSpPr>
-      <p:grpSpPr/>
+      <p:grpSpPr>
+        <a:xfrm>
+          <a:off x="0" y="0"/>
+          <a:ext cx="0" cy="0"/>
+          <a:chOff x="0" y="0"/>
+          <a:chExt cx="0" cy="0"/>
+        </a:xfrm>
+      </p:grpSpPr>
       <p:pic>
         <p:nvPicPr>
           <p:cNvPr id="5121" name="图片 6"/>
@@ -7984,7 +8018,7 @@
           <p:nvPr/>
         </p:nvPicPr>
         <p:blipFill>
-          <a:blip r:embed="rId1"/>
+          <a:blip r:embed="rId3"/>
           <a:srcRect r="4405" b="3990"/>
           <a:stretch>
             <a:fillRect/>
@@ -8251,6 +8285,7 @@
           <a:bodyPr wrap="square" anchor="t">
             <a:spAutoFit/>
           </a:bodyPr>
+          <a:lstStyle/>
           <a:p>
             <a:r>
               <a:rPr lang="en-US" altLang="zh-CN" sz="2400" b="1" dirty="0">
@@ -8281,7 +8316,7 @@
           <p:nvPr/>
         </p:nvPicPr>
         <p:blipFill>
-          <a:blip r:embed="rId2"/>
+          <a:blip r:embed="rId4"/>
           <a:stretch>
             <a:fillRect/>
           </a:stretch>
@@ -8309,7 +8344,7 @@
           <p:nvPr/>
         </p:nvPicPr>
         <p:blipFill>
-          <a:blip r:embed="rId3"/>
+          <a:blip r:embed="rId5"/>
           <a:stretch>
             <a:fillRect/>
           </a:stretch>
@@ -8367,6 +8402,7 @@
         </p:style>
         <p:txBody>
           <a:bodyPr rtlCol="0" anchor="ctr"/>
+          <a:lstStyle/>
           <a:p>
             <a:pPr marL="0" marR="0" lvl="0" indent="0" algn="ctr" defTabSz="914400" rtl="0" eaLnBrk="1" fontAlgn="auto" latinLnBrk="0" hangingPunct="1">
               <a:lnSpc>
@@ -8424,6 +8460,7 @@
           <a:bodyPr wrap="square" anchor="t">
             <a:spAutoFit/>
           </a:bodyPr>
+          <a:lstStyle/>
           <a:p>
             <a:r>
               <a:rPr lang="en-US" altLang="zh-CN" sz="2400" b="1" dirty="0">
@@ -8454,7 +8491,7 @@
           <p:nvPr/>
         </p:nvPicPr>
         <p:blipFill>
-          <a:blip r:embed="rId2"/>
+          <a:blip r:embed="rId4"/>
           <a:stretch>
             <a:fillRect/>
           </a:stretch>
@@ -8512,6 +8549,7 @@
         </p:style>
         <p:txBody>
           <a:bodyPr rtlCol="0" anchor="ctr"/>
+          <a:lstStyle/>
           <a:p>
             <a:pPr marL="0" marR="0" lvl="0" indent="0" algn="ctr" defTabSz="914400" rtl="0" eaLnBrk="1" fontAlgn="auto" latinLnBrk="0" hangingPunct="1">
               <a:lnSpc>
@@ -8569,6 +8607,7 @@
           <a:bodyPr wrap="square" anchor="t">
             <a:spAutoFit/>
           </a:bodyPr>
+          <a:lstStyle/>
           <a:p>
             <a:r>
               <a:rPr lang="en-US" altLang="zh-CN" sz="2400" b="1" dirty="0">
@@ -8599,7 +8638,7 @@
           <p:nvPr/>
         </p:nvPicPr>
         <p:blipFill>
-          <a:blip r:embed="rId2"/>
+          <a:blip r:embed="rId4"/>
           <a:stretch>
             <a:fillRect/>
           </a:stretch>
@@ -8657,6 +8696,7 @@
         </p:style>
         <p:txBody>
           <a:bodyPr rtlCol="0" anchor="ctr"/>
+          <a:lstStyle/>
           <a:p>
             <a:pPr marL="0" marR="0" lvl="0" indent="0" algn="ctr" defTabSz="914400" rtl="0" eaLnBrk="1" fontAlgn="auto" latinLnBrk="0" hangingPunct="1">
               <a:lnSpc>
@@ -8714,6 +8754,7 @@
           <a:bodyPr wrap="square" anchor="t">
             <a:spAutoFit/>
           </a:bodyPr>
+          <a:lstStyle/>
           <a:p>
             <a:r>
               <a:rPr lang="en-US" altLang="zh-CN" sz="2400" b="1" dirty="0">
@@ -8744,7 +8785,7 @@
           <p:nvPr/>
         </p:nvPicPr>
         <p:blipFill>
-          <a:blip r:embed="rId2"/>
+          <a:blip r:embed="rId4"/>
           <a:stretch>
             <a:fillRect/>
           </a:stretch>
@@ -8802,6 +8843,7 @@
         </p:style>
         <p:txBody>
           <a:bodyPr rtlCol="0" anchor="ctr"/>
+          <a:lstStyle/>
           <a:p>
             <a:pPr marL="0" marR="0" lvl="0" indent="0" algn="ctr" defTabSz="914400" rtl="0" eaLnBrk="1" fontAlgn="auto" latinLnBrk="0" hangingPunct="1">
               <a:lnSpc>
@@ -8859,6 +8901,7 @@
           <a:bodyPr vert="eaVert" anchor="t">
             <a:spAutoFit/>
           </a:bodyPr>
+          <a:lstStyle/>
           <a:p>
             <a:pPr algn="ctr"/>
             <a:r>
@@ -8871,13 +8914,6 @@
               </a:rPr>
               <a:t>Giải quyết</a:t>
             </a:r>
-            <a:endParaRPr lang="en-US" altLang="zh-CN" sz="2400" b="1" dirty="0">
-              <a:solidFill>
-                <a:srgbClr val="4AB5C5"/>
-              </a:solidFill>
-              <a:latin typeface="Microsoft YaHei" panose="020B0503020204020204" pitchFamily="34" charset="-122"/>
-              <a:ea typeface="Microsoft YaHei" panose="020B0503020204020204" pitchFamily="34" charset="-122"/>
-            </a:endParaRPr>
           </a:p>
         </p:txBody>
       </p:sp>
@@ -8920,6 +8956,7 @@
         </p:style>
         <p:txBody>
           <a:bodyPr rtlCol="0" anchor="ctr"/>
+          <a:lstStyle/>
           <a:p>
             <a:pPr marL="0" marR="0" lvl="0" indent="0" algn="ctr" defTabSz="914400" rtl="0" eaLnBrk="1" fontAlgn="auto" latinLnBrk="0" hangingPunct="1">
               <a:lnSpc>
@@ -8977,6 +9014,7 @@
           <a:bodyPr vert="eaVert" anchor="t">
             <a:spAutoFit/>
           </a:bodyPr>
+          <a:lstStyle/>
           <a:p>
             <a:pPr algn="ctr"/>
             <a:r>
@@ -8989,13 +9027,6 @@
               </a:rPr>
               <a:t>Demo run</a:t>
             </a:r>
-            <a:endParaRPr lang="en-US" altLang="zh-CN" sz="2400" b="1" dirty="0">
-              <a:solidFill>
-                <a:srgbClr val="4AB5C5"/>
-              </a:solidFill>
-              <a:latin typeface="Microsoft YaHei" panose="020B0503020204020204" pitchFamily="34" charset="-122"/>
-              <a:ea typeface="Microsoft YaHei" panose="020B0503020204020204" pitchFamily="34" charset="-122"/>
-            </a:endParaRPr>
           </a:p>
         </p:txBody>
       </p:sp>
@@ -9038,6 +9069,7 @@
         </p:style>
         <p:txBody>
           <a:bodyPr rtlCol="0" anchor="ctr"/>
+          <a:lstStyle/>
           <a:p>
             <a:pPr marL="0" marR="0" lvl="0" indent="0" algn="ctr" defTabSz="914400" rtl="0" eaLnBrk="1" fontAlgn="auto" latinLnBrk="0" hangingPunct="1">
               <a:lnSpc>
@@ -9095,6 +9127,7 @@
           <a:bodyPr vert="eaVert" anchor="t">
             <a:spAutoFit/>
           </a:bodyPr>
+          <a:lstStyle/>
           <a:p>
             <a:pPr algn="ctr"/>
             <a:r>
@@ -9107,148 +9140,9 @@
               </a:rPr>
               <a:t>Kết luận </a:t>
             </a:r>
-            <a:endParaRPr lang="en-US" altLang="zh-CN" sz="2400" b="1" dirty="0">
-              <a:solidFill>
-                <a:srgbClr val="4AB5C5"/>
-              </a:solidFill>
-              <a:latin typeface="Microsoft YaHei" panose="020B0503020204020204" pitchFamily="34" charset="-122"/>
-              <a:ea typeface="Microsoft YaHei" panose="020B0503020204020204" pitchFamily="34" charset="-122"/>
-            </a:endParaRPr>
           </a:p>
         </p:txBody>
       </p:sp>
-      <p:grpSp>
-        <p:nvGrpSpPr>
-          <p:cNvPr id="6147" name="组合 22"/>
-          <p:cNvGrpSpPr/>
-          <p:nvPr/>
-        </p:nvGrpSpPr>
-        <p:grpSpPr>
-          <a:xfrm>
-            <a:off x="3643948" y="111125"/>
-            <a:ext cx="4903787" cy="1174750"/>
-            <a:chOff x="3663696" y="1892808"/>
-            <a:chExt cx="4903168" cy="1173408"/>
-          </a:xfrm>
-        </p:grpSpPr>
-        <p:sp>
-          <p:nvSpPr>
-            <p:cNvPr id="18" name="矩形 23"/>
-            <p:cNvSpPr/>
-            <p:nvPr/>
-          </p:nvSpPr>
-          <p:spPr>
-            <a:xfrm>
-              <a:off x="3663696" y="1892808"/>
-              <a:ext cx="4903168" cy="1173408"/>
-            </a:xfrm>
-            <a:prstGeom prst="rect">
-              <a:avLst/>
-            </a:prstGeom>
-            <a:solidFill>
-              <a:srgbClr val="4AB5C5"/>
-            </a:solidFill>
-            <a:ln>
-              <a:noFill/>
-            </a:ln>
-          </p:spPr>
-          <p:style>
-            <a:lnRef idx="2">
-              <a:schemeClr val="accent1">
-                <a:shade val="50000"/>
-              </a:schemeClr>
-            </a:lnRef>
-            <a:fillRef idx="1">
-              <a:schemeClr val="accent1"/>
-            </a:fillRef>
-            <a:effectRef idx="0">
-              <a:schemeClr val="accent1"/>
-            </a:effectRef>
-            <a:fontRef idx="minor">
-              <a:schemeClr val="lt1"/>
-            </a:fontRef>
-          </p:style>
-          <p:txBody>
-            <a:bodyPr rtlCol="0" anchor="ctr"/>
-            <a:p>
-              <a:pPr marL="0" marR="0" lvl="0" indent="0" algn="ctr" defTabSz="914400" rtl="0" eaLnBrk="1" fontAlgn="auto" latinLnBrk="0" hangingPunct="1">
-                <a:lnSpc>
-                  <a:spcPct val="100000"/>
-                </a:lnSpc>
-                <a:spcBef>
-                  <a:spcPts val="0"/>
-                </a:spcBef>
-                <a:spcAft>
-                  <a:spcPts val="0"/>
-                </a:spcAft>
-                <a:buClrTx/>
-                <a:buSzTx/>
-                <a:buFontTx/>
-                <a:buNone/>
-                <a:defRPr/>
-              </a:pPr>
-              <a:endParaRPr kumimoji="0" lang="zh-CN" altLang="en-US" sz="1800" b="0" i="0" u="none" strike="noStrike" kern="1200" cap="none" spc="0" normalizeH="0" baseline="0" noProof="0">
-                <a:ln>
-                  <a:noFill/>
-                </a:ln>
-                <a:solidFill>
-                  <a:prstClr val="white"/>
-                </a:solidFill>
-                <a:effectLst/>
-                <a:uLnTx/>
-                <a:uFillTx/>
-                <a:latin typeface="+mn-lt"/>
-                <a:ea typeface="+mn-ea"/>
-                <a:cs typeface="+mn-cs"/>
-              </a:endParaRPr>
-            </a:p>
-          </p:txBody>
-        </p:sp>
-        <p:sp>
-          <p:nvSpPr>
-            <p:cNvPr id="6149" name="文本框 24"/>
-            <p:cNvSpPr txBox="1"/>
-            <p:nvPr/>
-          </p:nvSpPr>
-          <p:spPr>
-            <a:xfrm>
-              <a:off x="4690872" y="2100589"/>
-              <a:ext cx="3099816" cy="830997"/>
-            </a:xfrm>
-            <a:prstGeom prst="rect">
-              <a:avLst/>
-            </a:prstGeom>
-            <a:noFill/>
-            <a:ln w="9525">
-              <a:noFill/>
-            </a:ln>
-          </p:spPr>
-          <p:txBody>
-            <a:bodyPr anchor="t">
-              <a:spAutoFit/>
-            </a:bodyPr>
-            <a:p>
-              <a:r>
-                <a:rPr lang="en-US" altLang="zh-CN" sz="4800" dirty="0">
-                  <a:solidFill>
-                    <a:srgbClr val="FFFFFF"/>
-                  </a:solidFill>
-                  <a:latin typeface="Microsoft YaHei" panose="020B0503020204020204" pitchFamily="34" charset="-122"/>
-                  <a:ea typeface="Microsoft YaHei" panose="020B0503020204020204" pitchFamily="34" charset="-122"/>
-                </a:rPr>
-                <a:t>Part  One</a:t>
-              </a:r>
-              <a:endParaRPr lang="zh-CN" altLang="en-US" sz="4800" dirty="0">
-                <a:solidFill>
-                  <a:srgbClr val="FFFFFF"/>
-                </a:solidFill>
-                <a:latin typeface="Microsoft YaHei" panose="020B0503020204020204" pitchFamily="34" charset="-122"/>
-                <a:ea typeface="Microsoft YaHei" panose="020B0503020204020204" pitchFamily="34" charset="-122"/>
-              </a:endParaRPr>
-            </a:p>
-          </p:txBody>
-        </p:sp>
-      </p:grpSp>
       <p:sp>
         <p:nvSpPr>
           <p:cNvPr id="19" name="文本框 26"/>
@@ -9272,6 +9166,7 @@
           <a:bodyPr vert="eaVert" anchor="t">
             <a:spAutoFit/>
           </a:bodyPr>
+          <a:lstStyle/>
           <a:p>
             <a:pPr algn="ctr"/>
             <a:r>
@@ -9284,13 +9179,6 @@
               </a:rPr>
               <a:t>Phân tích yêu cầu</a:t>
             </a:r>
-            <a:endParaRPr lang="en-US" altLang="zh-CN" sz="2400" b="1" dirty="0">
-              <a:solidFill>
-                <a:srgbClr val="4AB5C5"/>
-              </a:solidFill>
-              <a:latin typeface="Microsoft YaHei" panose="020B0503020204020204" pitchFamily="34" charset="-122"/>
-              <a:ea typeface="Microsoft YaHei" panose="020B0503020204020204" pitchFamily="34" charset="-122"/>
-            </a:endParaRPr>
           </a:p>
         </p:txBody>
       </p:sp>
@@ -9311,7 +9199,14 @@
         <p:cNvGrpSpPr/>
         <p:nvPr/>
       </p:nvGrpSpPr>
-      <p:grpSpPr/>
+      <p:grpSpPr>
+        <a:xfrm>
+          <a:off x="0" y="0"/>
+          <a:ext cx="0" cy="0"/>
+          <a:chOff x="0" y="0"/>
+          <a:chExt cx="0" cy="0"/>
+        </a:xfrm>
+      </p:grpSpPr>
       <p:pic>
         <p:nvPicPr>
           <p:cNvPr id="6145" name="图片 6"/>
@@ -9321,7 +9216,7 @@
           <p:nvPr/>
         </p:nvPicPr>
         <p:blipFill>
-          <a:blip r:embed="rId1"/>
+          <a:blip r:embed="rId2"/>
           <a:srcRect r="4405" b="3990"/>
           <a:stretch>
             <a:fillRect/>
@@ -9581,6 +9476,7 @@
             <a:bodyPr wrap="square" anchor="t">
               <a:spAutoFit/>
             </a:bodyPr>
+            <a:lstStyle/>
             <a:p>
               <a:pPr algn="ctr"/>
               <a:r>
@@ -9593,13 +9489,6 @@
                 </a:rPr>
                 <a:t>Phân tích</a:t>
               </a:r>
-              <a:endParaRPr lang="en-US" altLang="zh-CN" sz="4000" b="1" dirty="0">
-                <a:solidFill>
-                  <a:srgbClr val="4AB5C5"/>
-                </a:solidFill>
-                <a:latin typeface="Microsoft YaHei" panose="020B0503020204020204" pitchFamily="34" charset="-122"/>
-                <a:ea typeface="Microsoft YaHei" panose="020B0503020204020204" pitchFamily="34" charset="-122"/>
-              </a:endParaRPr>
             </a:p>
           </p:txBody>
         </p:sp>
@@ -9775,7 +9664,14 @@
         <p:cNvGrpSpPr/>
         <p:nvPr/>
       </p:nvGrpSpPr>
-      <p:grpSpPr/>
+      <p:grpSpPr>
+        <a:xfrm>
+          <a:off x="0" y="0"/>
+          <a:ext cx="0" cy="0"/>
+          <a:chOff x="0" y="0"/>
+          <a:chExt cx="0" cy="0"/>
+        </a:xfrm>
+      </p:grpSpPr>
       <p:sp>
         <p:nvSpPr>
           <p:cNvPr id="24" name="矩形 1"/>
@@ -10520,6 +10416,7 @@
                   <a:pos x="971731" y="164804"/>
                 </a:cxn>
               </a:cxnLst>
+              <a:rect l="0" t="0" r="0" b="0"/>
               <a:pathLst>
                 <a:path w="420" h="354">
                   <a:moveTo>
@@ -10655,6 +10552,7 @@
           </p:spPr>
           <p:txBody>
             <a:bodyPr/>
+            <a:lstStyle/>
             <a:p>
               <a:endParaRPr lang="en-US"/>
             </a:p>
@@ -10868,6 +10766,7 @@
                   <a:pos x="75459" y="87198"/>
                 </a:cxn>
               </a:cxnLst>
+              <a:rect l="0" t="0" r="0" b="0"/>
               <a:pathLst>
                 <a:path w="377" h="194">
                   <a:moveTo>
@@ -11190,6 +11089,7 @@
           </p:spPr>
           <p:txBody>
             <a:bodyPr/>
+            <a:lstStyle/>
             <a:p>
               <a:endParaRPr lang="en-US"/>
             </a:p>
@@ -11230,6 +11130,7 @@
                   <a:pos x="847725" y="571500"/>
                 </a:cxn>
               </a:cxnLst>
+              <a:rect l="0" t="0" r="0" b="0"/>
               <a:pathLst>
                 <a:path w="534" h="360">
                   <a:moveTo>
@@ -11263,6 +11164,7 @@
           </p:spPr>
           <p:txBody>
             <a:bodyPr/>
+            <a:lstStyle/>
             <a:p>
               <a:endParaRPr lang="en-US"/>
             </a:p>
@@ -11303,6 +11205,7 @@
                   <a:pos x="1031875" y="2179257"/>
                 </a:cxn>
               </a:cxnLst>
+              <a:rect l="0" t="0" r="0" b="0"/>
               <a:pathLst>
                 <a:path w="650" h="626">
                   <a:moveTo>
@@ -11336,6 +11239,7 @@
           </p:spPr>
           <p:txBody>
             <a:bodyPr/>
+            <a:lstStyle/>
             <a:p>
               <a:endParaRPr lang="en-US"/>
             </a:p>
@@ -11364,6 +11268,7 @@
           </p:spPr>
           <p:txBody>
             <a:bodyPr anchor="t"/>
+            <a:lstStyle/>
             <a:p>
               <a:endParaRPr lang="zh-CN" altLang="en-US" dirty="0">
                 <a:solidFill>
@@ -11431,12 +11336,12 @@
           <a:bodyPr wrap="square" rtlCol="0">
             <a:spAutoFit/>
           </a:bodyPr>
+          <a:lstStyle/>
           <a:p>
             <a:r>
               <a:rPr lang="en-US"/>
               <a:t>Yêu cầu thiết kế thuật toán và animation thể hiện 1 quãng đường ngắn nhất để giải quyết .</a:t>
             </a:r>
-            <a:endParaRPr lang="en-US"/>
           </a:p>
           <a:p>
             <a:endParaRPr lang="en-US"/>
@@ -11446,7 +11351,6 @@
               <a:rPr lang="en-US"/>
               <a:t> + Tạo ra con robot giao hàng để làm việc</a:t>
             </a:r>
-            <a:endParaRPr lang="en-US"/>
           </a:p>
           <a:p>
             <a:endParaRPr lang="en-US"/>
@@ -11456,7 +11360,6 @@
               <a:rPr lang="en-US"/>
               <a:t> + Tạo ra 1 số quãng đường test để robot di chuyển trên đó</a:t>
             </a:r>
-            <a:endParaRPr lang="en-US"/>
           </a:p>
           <a:p>
             <a:endParaRPr lang="en-US"/>
@@ -11466,7 +11369,6 @@
               <a:rPr lang="en-US"/>
               <a:t>+ Tạo ra 1 số điểm giao hàng để robot di chuyển tới</a:t>
             </a:r>
-            <a:endParaRPr lang="en-US"/>
           </a:p>
           <a:p>
             <a:endParaRPr lang="en-US"/>
@@ -11476,7 +11378,6 @@
               <a:rPr lang="en-US"/>
               <a:t>+ Tạo ra 1 map để chứa điểm giao hàng và các con đường</a:t>
             </a:r>
-            <a:endParaRPr lang="en-US"/>
           </a:p>
           <a:p>
             <a:endParaRPr lang="en-US"/>
@@ -11486,7 +11387,6 @@
               <a:rPr lang="en-US"/>
               <a:t>+ Tạo layout web để show thuật toán và animation</a:t>
             </a:r>
-            <a:endParaRPr lang="en-US"/>
           </a:p>
         </p:txBody>
       </p:sp>
@@ -11593,7 +11493,14 @@
         <p:cNvGrpSpPr/>
         <p:nvPr/>
       </p:nvGrpSpPr>
-      <p:grpSpPr/>
+      <p:grpSpPr>
+        <a:xfrm>
+          <a:off x="0" y="0"/>
+          <a:ext cx="0" cy="0"/>
+          <a:chOff x="0" y="0"/>
+          <a:chExt cx="0" cy="0"/>
+        </a:xfrm>
+      </p:grpSpPr>
       <p:sp>
         <p:nvSpPr>
           <p:cNvPr id="8205" name="文本框 5"/>
@@ -11617,6 +11524,7 @@
           <a:bodyPr wrap="none" anchor="t">
             <a:spAutoFit/>
           </a:bodyPr>
+          <a:lstStyle/>
           <a:p>
             <a:pPr>
               <a:buFont typeface="Arial" panose="020B0604020202020204" pitchFamily="34" charset="0"/>
@@ -11631,13 +11539,6 @@
               </a:rPr>
               <a:t>Ví dụ trên mạng</a:t>
             </a:r>
-            <a:endParaRPr lang="en-US" altLang="zh-CN" sz="2400" b="1" dirty="0">
-              <a:solidFill>
-                <a:srgbClr val="3193B8"/>
-              </a:solidFill>
-              <a:latin typeface="Microsoft YaHei" panose="020B0503020204020204" pitchFamily="34" charset="-122"/>
-              <a:ea typeface="Microsoft YaHei" panose="020B0503020204020204" pitchFamily="34" charset="-122"/>
-            </a:endParaRPr>
           </a:p>
         </p:txBody>
       </p:sp>
@@ -12242,14 +12143,14 @@
         <p:nvPicPr>
           <p:cNvPr id="2" name="Content Placeholder 1"/>
           <p:cNvPicPr>
-            <a:picLocks noChangeAspect="1"/>
+            <a:picLocks noGrp="1" noChangeAspect="1"/>
           </p:cNvPicPr>
           <p:nvPr>
             <p:ph idx="1"/>
           </p:nvPr>
         </p:nvPicPr>
         <p:blipFill>
-          <a:blip r:embed="rId1"/>
+          <a:blip r:embed="rId3"/>
           <a:srcRect b="5167"/>
           <a:stretch>
             <a:fillRect/>
@@ -12282,7 +12183,14 @@
         <p:cNvGrpSpPr/>
         <p:nvPr/>
       </p:nvGrpSpPr>
-      <p:grpSpPr/>
+      <p:grpSpPr>
+        <a:xfrm>
+          <a:off x="0" y="0"/>
+          <a:ext cx="0" cy="0"/>
+          <a:chOff x="0" y="0"/>
+          <a:chExt cx="0" cy="0"/>
+        </a:xfrm>
+      </p:grpSpPr>
       <p:pic>
         <p:nvPicPr>
           <p:cNvPr id="6145" name="图片 6"/>
@@ -12292,7 +12200,7 @@
           <p:nvPr/>
         </p:nvPicPr>
         <p:blipFill>
-          <a:blip r:embed="rId1"/>
+          <a:blip r:embed="rId2"/>
           <a:srcRect r="4405" b="3990"/>
           <a:stretch>
             <a:fillRect/>
@@ -12552,6 +12460,7 @@
             <a:bodyPr wrap="square" anchor="t">
               <a:spAutoFit/>
             </a:bodyPr>
+            <a:lstStyle/>
             <a:p>
               <a:pPr algn="ctr"/>
               <a:r>
@@ -12564,13 +12473,6 @@
                 </a:rPr>
                 <a:t>Giải quyết</a:t>
               </a:r>
-              <a:endParaRPr lang="en-US" altLang="zh-CN" sz="4000" b="1" dirty="0">
-                <a:solidFill>
-                  <a:srgbClr val="4AB5C5"/>
-                </a:solidFill>
-                <a:latin typeface="Microsoft YaHei" panose="020B0503020204020204" pitchFamily="34" charset="-122"/>
-                <a:ea typeface="Microsoft YaHei" panose="020B0503020204020204" pitchFamily="34" charset="-122"/>
-              </a:endParaRPr>
             </a:p>
           </p:txBody>
         </p:sp>
@@ -12746,7 +12648,14 @@
         <p:cNvGrpSpPr/>
         <p:nvPr/>
       </p:nvGrpSpPr>
-      <p:grpSpPr/>
+      <p:grpSpPr>
+        <a:xfrm>
+          <a:off x="0" y="0"/>
+          <a:ext cx="0" cy="0"/>
+          <a:chOff x="0" y="0"/>
+          <a:chExt cx="0" cy="0"/>
+        </a:xfrm>
+      </p:grpSpPr>
       <p:sp>
         <p:nvSpPr>
           <p:cNvPr id="9252" name="文本框 5"/>
@@ -12770,6 +12679,7 @@
           <a:bodyPr wrap="none" anchor="t">
             <a:spAutoFit/>
           </a:bodyPr>
+          <a:lstStyle/>
           <a:p>
             <a:pPr>
               <a:buFont typeface="Arial" panose="020B0604020202020204" pitchFamily="34" charset="0"/>
@@ -12784,13 +12694,6 @@
               </a:rPr>
               <a:t>Chỉnh sửa code và layout</a:t>
             </a:r>
-            <a:endParaRPr lang="en-US" altLang="zh-CN" sz="2400" b="1" dirty="0">
-              <a:solidFill>
-                <a:srgbClr val="3193B8"/>
-              </a:solidFill>
-              <a:latin typeface="Microsoft YaHei" panose="020B0503020204020204" pitchFamily="34" charset="-122"/>
-              <a:ea typeface="Microsoft YaHei" panose="020B0503020204020204" pitchFamily="34" charset="-122"/>
-            </a:endParaRPr>
           </a:p>
         </p:txBody>
       </p:sp>
@@ -13411,12 +13314,12 @@
           <a:bodyPr wrap="square" rtlCol="0">
             <a:spAutoFit/>
           </a:bodyPr>
+          <a:lstStyle/>
           <a:p>
             <a:r>
               <a:rPr lang="en-US"/>
               <a:t>1. Thay đổi 1 số code</a:t>
             </a:r>
-            <a:endParaRPr lang="en-US"/>
           </a:p>
         </p:txBody>
       </p:sp>
@@ -13424,14 +13327,14 @@
         <p:nvPicPr>
           <p:cNvPr id="3" name="Content Placeholder 2"/>
           <p:cNvPicPr>
-            <a:picLocks noChangeAspect="1"/>
+            <a:picLocks noGrp="1" noChangeAspect="1"/>
           </p:cNvPicPr>
           <p:nvPr>
             <p:ph idx="1"/>
           </p:nvPr>
         </p:nvPicPr>
         <p:blipFill>
-          <a:blip r:embed="rId1"/>
+          <a:blip r:embed="rId2"/>
           <a:stretch>
             <a:fillRect/>
           </a:stretch>
@@ -13466,12 +13369,12 @@
           <a:bodyPr wrap="square" rtlCol="0">
             <a:spAutoFit/>
           </a:bodyPr>
+          <a:lstStyle/>
           <a:p>
             <a:r>
               <a:rPr lang="en-US"/>
               <a:t>2. Thay đổi content trong đó</a:t>
             </a:r>
-            <a:endParaRPr lang="en-US"/>
           </a:p>
         </p:txBody>
       </p:sp>
@@ -13484,7 +13387,7 @@
           <p:nvPr/>
         </p:nvPicPr>
         <p:blipFill>
-          <a:blip r:embed="rId2"/>
+          <a:blip r:embed="rId3"/>
           <a:stretch>
             <a:fillRect/>
           </a:stretch>
@@ -13508,7 +13411,7 @@
           <p:nvPr/>
         </p:nvPicPr>
         <p:blipFill>
-          <a:blip r:embed="rId3"/>
+          <a:blip r:embed="rId4"/>
           <a:stretch>
             <a:fillRect/>
           </a:stretch>
@@ -13532,7 +13435,7 @@
           <p:nvPr/>
         </p:nvPicPr>
         <p:blipFill>
-          <a:blip r:embed="rId4"/>
+          <a:blip r:embed="rId5"/>
           <a:stretch>
             <a:fillRect/>
           </a:stretch>
@@ -13556,7 +13459,7 @@
           <p:nvPr/>
         </p:nvPicPr>
         <p:blipFill>
-          <a:blip r:embed="rId5"/>
+          <a:blip r:embed="rId6"/>
           <a:stretch>
             <a:fillRect/>
           </a:stretch>
@@ -13580,7 +13483,7 @@
           <p:nvPr/>
         </p:nvPicPr>
         <p:blipFill>
-          <a:blip r:embed="rId6"/>
+          <a:blip r:embed="rId7"/>
           <a:stretch>
             <a:fillRect/>
           </a:stretch>
@@ -13612,7 +13515,14 @@
         <p:cNvGrpSpPr/>
         <p:nvPr/>
       </p:nvGrpSpPr>
-      <p:grpSpPr/>
+      <p:grpSpPr>
+        <a:xfrm>
+          <a:off x="0" y="0"/>
+          <a:ext cx="0" cy="0"/>
+          <a:chOff x="0" y="0"/>
+          <a:chExt cx="0" cy="0"/>
+        </a:xfrm>
+      </p:grpSpPr>
       <p:sp>
         <p:nvSpPr>
           <p:cNvPr id="9252" name="文本框 5"/>
@@ -13636,6 +13546,7 @@
           <a:bodyPr wrap="none" anchor="t">
             <a:spAutoFit/>
           </a:bodyPr>
+          <a:lstStyle/>
           <a:p>
             <a:pPr>
               <a:buFont typeface="Arial" panose="020B0604020202020204" pitchFamily="34" charset="0"/>
@@ -13650,13 +13561,6 @@
               </a:rPr>
               <a:t>Chỉnh sửa code và layout</a:t>
             </a:r>
-            <a:endParaRPr lang="en-US" altLang="zh-CN" sz="2400" b="1" dirty="0">
-              <a:solidFill>
-                <a:srgbClr val="3193B8"/>
-              </a:solidFill>
-              <a:latin typeface="Microsoft YaHei" panose="020B0503020204020204" pitchFamily="34" charset="-122"/>
-              <a:ea typeface="Microsoft YaHei" panose="020B0503020204020204" pitchFamily="34" charset="-122"/>
-            </a:endParaRPr>
           </a:p>
         </p:txBody>
       </p:sp>
@@ -14277,12 +14181,12 @@
           <a:bodyPr wrap="square" rtlCol="0">
             <a:spAutoFit/>
           </a:bodyPr>
+          <a:lstStyle/>
           <a:p>
             <a:r>
               <a:rPr lang="en-US"/>
               <a:t>3. Thêm chức năng cho phép đổi nhân vật </a:t>
             </a:r>
-            <a:endParaRPr lang="en-US"/>
           </a:p>
         </p:txBody>
       </p:sp>
@@ -14290,14 +14194,14 @@
         <p:nvPicPr>
           <p:cNvPr id="14" name="Content Placeholder 13"/>
           <p:cNvPicPr>
-            <a:picLocks noChangeAspect="1"/>
+            <a:picLocks noGrp="1" noChangeAspect="1"/>
           </p:cNvPicPr>
           <p:nvPr>
             <p:ph idx="1"/>
           </p:nvPr>
         </p:nvPicPr>
         <p:blipFill>
-          <a:blip r:embed="rId1"/>
+          <a:blip r:embed="rId2"/>
           <a:stretch>
             <a:fillRect/>
           </a:stretch>
@@ -14571,6 +14475,8 @@
       </a:bgFillStyleLst>
     </a:fmtScheme>
   </a:themeElements>
+  <a:objectDefaults/>
+  <a:extraClrSchemeLst/>
   <a:extLst>
     <a:ext uri="{05A4C25C-085E-4340-85A3-A5531E510DB2}">
       <thm15:themeFamily xmlns:thm15="http://schemas.microsoft.com/office/thememl/2012/main" name="Office Theme" id="{62F939B6-93AF-4DB8-9C6B-D6C7DFDC589F}" vid="{4A3C46E8-61CC-4603-A589-7422A47A8E4A}"/>
@@ -14830,6 +14736,8 @@
       </a:bgFillStyleLst>
     </a:fmtScheme>
   </a:themeElements>
+  <a:objectDefaults/>
+  <a:extraClrSchemeLst/>
   <a:extLst>
     <a:ext uri="{05A4C25C-085E-4340-85A3-A5531E510DB2}">
       <thm15:themeFamily xmlns:thm15="http://schemas.microsoft.com/office/thememl/2012/main" name="Office Theme" id="{62F939B6-93AF-4DB8-9C6B-D6C7DFDC589F}" vid="{4A3C46E8-61CC-4603-A589-7422A47A8E4A}"/>
@@ -15089,6 +14997,8 @@
       </a:bgFillStyleLst>
     </a:fmtScheme>
   </a:themeElements>
+  <a:objectDefaults/>
+  <a:extraClrSchemeLst/>
   <a:extLst>
     <a:ext uri="{05A4C25C-085E-4340-85A3-A5531E510DB2}">
       <thm15:themeFamily xmlns:thm15="http://schemas.microsoft.com/office/thememl/2012/main" name="Office Theme" id="{62F939B6-93AF-4DB8-9C6B-D6C7DFDC589F}" vid="{4A3C46E8-61CC-4603-A589-7422A47A8E4A}"/>
